--- a/Dokumente/Skizzen/Konzept/Funktionlitäten.pptx
+++ b/Dokumente/Skizzen/Konzept/Funktionlitäten.pptx
@@ -261,7 +261,7 @@
           <a:p>
             <a:fld id="{C6AC6211-610F-44E5-BF19-D3CDF6EDD281}" type="datetimeFigureOut">
               <a:rPr lang="de-DE" smtClean="0"/>
-              <a:t>01.02.2019</a:t>
+              <a:t>04.02.2019</a:t>
             </a:fld>
             <a:endParaRPr lang="de-DE"/>
           </a:p>
@@ -427,7 +427,7 @@
           <a:p>
             <a:fld id="{347435D3-23A6-45D3-8DFA-7317DC1E7A64}" type="datetimeFigureOut">
               <a:rPr lang="de-DE" smtClean="0"/>
-              <a:t>01.02.2019</a:t>
+              <a:t>04.02.2019</a:t>
             </a:fld>
             <a:endParaRPr lang="de-DE"/>
           </a:p>
@@ -1161,7 +1161,7 @@
           <p:cNvPr id="15" name="Rechteck 14">
             <a:extLst>
               <a:ext uri="{FF2B5EF4-FFF2-40B4-BE49-F238E27FC236}">
-                <a16:creationId xmlns:a16="http://schemas.microsoft.com/office/drawing/2014/main" xmlns="" id="{F770C3AA-244C-A141-BC22-D074823F4293}"/>
+                <a16:creationId xmlns="" xmlns:a16="http://schemas.microsoft.com/office/drawing/2014/main" id="{F770C3AA-244C-A141-BC22-D074823F4293}"/>
               </a:ext>
             </a:extLst>
           </p:cNvPr>
@@ -1401,7 +1401,7 @@
           <p:cNvPr id="5" name="Grafik 4">
             <a:extLst>
               <a:ext uri="{FF2B5EF4-FFF2-40B4-BE49-F238E27FC236}">
-                <a16:creationId xmlns:a16="http://schemas.microsoft.com/office/drawing/2014/main" xmlns="" id="{C0F785FA-BB6E-6347-A8C6-9846216D4CBB}"/>
+                <a16:creationId xmlns="" xmlns:a16="http://schemas.microsoft.com/office/drawing/2014/main" id="{C0F785FA-BB6E-6347-A8C6-9846216D4CBB}"/>
               </a:ext>
             </a:extLst>
           </p:cNvPr>
@@ -1590,7 +1590,7 @@
           <p:cNvPr id="12" name="Grafik 11" hidden="1">
             <a:extLst>
               <a:ext uri="{FF2B5EF4-FFF2-40B4-BE49-F238E27FC236}">
-                <a16:creationId xmlns:a16="http://schemas.microsoft.com/office/drawing/2014/main" xmlns="" id="{CFC0D4A5-64CF-6D49-98B1-9FF6119E60EC}"/>
+                <a16:creationId xmlns="" xmlns:a16="http://schemas.microsoft.com/office/drawing/2014/main" id="{CFC0D4A5-64CF-6D49-98B1-9FF6119E60EC}"/>
               </a:ext>
             </a:extLst>
           </p:cNvPr>
@@ -1620,7 +1620,7 @@
           <p:cNvPr id="17" name="Grafik 16">
             <a:extLst>
               <a:ext uri="{FF2B5EF4-FFF2-40B4-BE49-F238E27FC236}">
-                <a16:creationId xmlns:a16="http://schemas.microsoft.com/office/drawing/2014/main" xmlns="" id="{22ECE872-F4EF-2A49-BA96-6065BC99D769}"/>
+                <a16:creationId xmlns="" xmlns:a16="http://schemas.microsoft.com/office/drawing/2014/main" id="{22ECE872-F4EF-2A49-BA96-6065BC99D769}"/>
               </a:ext>
             </a:extLst>
           </p:cNvPr>
@@ -1890,7 +1890,7 @@
           <p:cNvPr id="24" name="Bildplatzhalter 23">
             <a:extLst>
               <a:ext uri="{FF2B5EF4-FFF2-40B4-BE49-F238E27FC236}">
-                <a16:creationId xmlns:a16="http://schemas.microsoft.com/office/drawing/2014/main" xmlns="" id="{24A56C48-CA8D-D349-89CC-35C3A65DC4D5}"/>
+                <a16:creationId xmlns="" xmlns:a16="http://schemas.microsoft.com/office/drawing/2014/main" id="{24A56C48-CA8D-D349-89CC-35C3A65DC4D5}"/>
               </a:ext>
             </a:extLst>
           </p:cNvPr>
@@ -2204,7 +2204,7 @@
           <p:cNvPr id="6" name="Textplatzhalter 5">
             <a:extLst>
               <a:ext uri="{FF2B5EF4-FFF2-40B4-BE49-F238E27FC236}">
-                <a16:creationId xmlns:a16="http://schemas.microsoft.com/office/drawing/2014/main" xmlns="" id="{2E77FCEF-52F5-324B-A583-005ABCE0E622}"/>
+                <a16:creationId xmlns="" xmlns:a16="http://schemas.microsoft.com/office/drawing/2014/main" id="{2E77FCEF-52F5-324B-A583-005ABCE0E622}"/>
               </a:ext>
             </a:extLst>
           </p:cNvPr>
@@ -2242,7 +2242,7 @@
           <p:cNvPr id="13" name="Grafik 12">
             <a:extLst>
               <a:ext uri="{FF2B5EF4-FFF2-40B4-BE49-F238E27FC236}">
-                <a16:creationId xmlns:a16="http://schemas.microsoft.com/office/drawing/2014/main" xmlns="" id="{F84F96E3-FAED-E24A-9E01-BBA4824F0E34}"/>
+                <a16:creationId xmlns="" xmlns:a16="http://schemas.microsoft.com/office/drawing/2014/main" id="{F84F96E3-FAED-E24A-9E01-BBA4824F0E34}"/>
               </a:ext>
             </a:extLst>
           </p:cNvPr>
@@ -2413,7 +2413,7 @@
           <p:cNvPr id="6" name="Rechteck 5">
             <a:extLst>
               <a:ext uri="{FF2B5EF4-FFF2-40B4-BE49-F238E27FC236}">
-                <a16:creationId xmlns:a16="http://schemas.microsoft.com/office/drawing/2014/main" xmlns="" id="{2447D286-D9F9-E84F-9173-2C8D2D2068E1}"/>
+                <a16:creationId xmlns="" xmlns:a16="http://schemas.microsoft.com/office/drawing/2014/main" id="{2447D286-D9F9-E84F-9173-2C8D2D2068E1}"/>
               </a:ext>
             </a:extLst>
           </p:cNvPr>
@@ -2480,7 +2480,7 @@
           <p:cNvPr id="10" name="Grafik 9">
             <a:extLst>
               <a:ext uri="{FF2B5EF4-FFF2-40B4-BE49-F238E27FC236}">
-                <a16:creationId xmlns:a16="http://schemas.microsoft.com/office/drawing/2014/main" xmlns="" id="{E4DBCC79-CA26-C240-B119-9127A62CDBA8}"/>
+                <a16:creationId xmlns="" xmlns:a16="http://schemas.microsoft.com/office/drawing/2014/main" id="{E4DBCC79-CA26-C240-B119-9127A62CDBA8}"/>
               </a:ext>
             </a:extLst>
           </p:cNvPr>
@@ -2582,7 +2582,7 @@
           <p:cNvPr id="5" name="Rechteck 4">
             <a:extLst>
               <a:ext uri="{FF2B5EF4-FFF2-40B4-BE49-F238E27FC236}">
-                <a16:creationId xmlns:a16="http://schemas.microsoft.com/office/drawing/2014/main" xmlns="" id="{FD770378-5F2D-DE46-8D66-09007E946AD3}"/>
+                <a16:creationId xmlns="" xmlns:a16="http://schemas.microsoft.com/office/drawing/2014/main" id="{FD770378-5F2D-DE46-8D66-09007E946AD3}"/>
               </a:ext>
             </a:extLst>
           </p:cNvPr>
@@ -2646,7 +2646,7 @@
           <p:cNvPr id="4" name="Grafik 3">
             <a:extLst>
               <a:ext uri="{FF2B5EF4-FFF2-40B4-BE49-F238E27FC236}">
-                <a16:creationId xmlns:a16="http://schemas.microsoft.com/office/drawing/2014/main" xmlns="" id="{4FE30B28-5777-FC40-9C3F-81738D289A6A}"/>
+                <a16:creationId xmlns="" xmlns:a16="http://schemas.microsoft.com/office/drawing/2014/main" id="{4FE30B28-5777-FC40-9C3F-81738D289A6A}"/>
               </a:ext>
             </a:extLst>
           </p:cNvPr>
@@ -3791,7 +3791,7 @@
           <p:cNvPr id="13" name="Grafik 12">
             <a:extLst>
               <a:ext uri="{FF2B5EF4-FFF2-40B4-BE49-F238E27FC236}">
-                <a16:creationId xmlns:a16="http://schemas.microsoft.com/office/drawing/2014/main" xmlns="" id="{2DC3CACD-C7C8-274E-BCD4-043370996A48}"/>
+                <a16:creationId xmlns="" xmlns:a16="http://schemas.microsoft.com/office/drawing/2014/main" id="{2DC3CACD-C7C8-274E-BCD4-043370996A48}"/>
               </a:ext>
             </a:extLst>
           </p:cNvPr>
@@ -5771,7 +5771,7 @@
           <p:cNvPr id="12" name="Gruppieren 11">
             <a:extLst>
               <a:ext uri="{FF2B5EF4-FFF2-40B4-BE49-F238E27FC236}">
-                <a16:creationId xmlns:a16="http://schemas.microsoft.com/office/drawing/2014/main" xmlns="" id="{EA0A8815-E75B-6046-B394-2A918B180A1D}"/>
+                <a16:creationId xmlns="" xmlns:a16="http://schemas.microsoft.com/office/drawing/2014/main" id="{EA0A8815-E75B-6046-B394-2A918B180A1D}"/>
               </a:ext>
             </a:extLst>
           </p:cNvPr>
@@ -5791,7 +5791,7 @@
             <p:cNvPr id="13" name="Rechteck 12">
               <a:extLst>
                 <a:ext uri="{FF2B5EF4-FFF2-40B4-BE49-F238E27FC236}">
-                  <a16:creationId xmlns:a16="http://schemas.microsoft.com/office/drawing/2014/main" xmlns="" id="{C6DACD2C-9288-2743-8000-2D2B960374D2}"/>
+                  <a16:creationId xmlns="" xmlns:a16="http://schemas.microsoft.com/office/drawing/2014/main" id="{C6DACD2C-9288-2743-8000-2D2B960374D2}"/>
                 </a:ext>
               </a:extLst>
             </p:cNvPr>
@@ -5883,7 +5883,7 @@
             <p:cNvPr id="14" name="Rechteck 13">
               <a:extLst>
                 <a:ext uri="{FF2B5EF4-FFF2-40B4-BE49-F238E27FC236}">
-                  <a16:creationId xmlns:a16="http://schemas.microsoft.com/office/drawing/2014/main" xmlns="" id="{8A961849-3F67-574C-9B6D-E3BC3038B489}"/>
+                  <a16:creationId xmlns="" xmlns:a16="http://schemas.microsoft.com/office/drawing/2014/main" id="{8A961849-3F67-574C-9B6D-E3BC3038B489}"/>
                 </a:ext>
               </a:extLst>
             </p:cNvPr>
@@ -5942,7 +5942,7 @@
           <p:cNvPr id="15" name="Gruppieren 14">
             <a:extLst>
               <a:ext uri="{FF2B5EF4-FFF2-40B4-BE49-F238E27FC236}">
-                <a16:creationId xmlns:a16="http://schemas.microsoft.com/office/drawing/2014/main" xmlns="" id="{A88F0E40-A3C2-8A49-B01C-D43BDE29765D}"/>
+                <a16:creationId xmlns="" xmlns:a16="http://schemas.microsoft.com/office/drawing/2014/main" id="{A88F0E40-A3C2-8A49-B01C-D43BDE29765D}"/>
               </a:ext>
             </a:extLst>
           </p:cNvPr>
@@ -5962,7 +5962,7 @@
             <p:cNvPr id="16" name="Rechteck 15">
               <a:extLst>
                 <a:ext uri="{FF2B5EF4-FFF2-40B4-BE49-F238E27FC236}">
-                  <a16:creationId xmlns:a16="http://schemas.microsoft.com/office/drawing/2014/main" xmlns="" id="{18E7CC15-3520-4B45-A599-D8A2FCD6071C}"/>
+                  <a16:creationId xmlns="" xmlns:a16="http://schemas.microsoft.com/office/drawing/2014/main" id="{18E7CC15-3520-4B45-A599-D8A2FCD6071C}"/>
                 </a:ext>
               </a:extLst>
             </p:cNvPr>
@@ -6157,7 +6157,7 @@
             <p:cNvPr id="17" name="Rechteck 16">
               <a:extLst>
                 <a:ext uri="{FF2B5EF4-FFF2-40B4-BE49-F238E27FC236}">
-                  <a16:creationId xmlns:a16="http://schemas.microsoft.com/office/drawing/2014/main" xmlns="" id="{9CA4E624-C249-DD44-95E5-805EF9DA78B4}"/>
+                  <a16:creationId xmlns="" xmlns:a16="http://schemas.microsoft.com/office/drawing/2014/main" id="{9CA4E624-C249-DD44-95E5-805EF9DA78B4}"/>
                 </a:ext>
               </a:extLst>
             </p:cNvPr>
@@ -6216,7 +6216,7 @@
           <p:cNvPr id="18" name="Gruppieren 17">
             <a:extLst>
               <a:ext uri="{FF2B5EF4-FFF2-40B4-BE49-F238E27FC236}">
-                <a16:creationId xmlns:a16="http://schemas.microsoft.com/office/drawing/2014/main" xmlns="" id="{14C33807-8E01-ED45-97CC-799667FE8E29}"/>
+                <a16:creationId xmlns="" xmlns:a16="http://schemas.microsoft.com/office/drawing/2014/main" id="{14C33807-8E01-ED45-97CC-799667FE8E29}"/>
               </a:ext>
             </a:extLst>
           </p:cNvPr>
@@ -6236,7 +6236,7 @@
             <p:cNvPr id="19" name="Rechteck 18">
               <a:extLst>
                 <a:ext uri="{FF2B5EF4-FFF2-40B4-BE49-F238E27FC236}">
-                  <a16:creationId xmlns:a16="http://schemas.microsoft.com/office/drawing/2014/main" xmlns="" id="{ADE0619D-3F85-424E-9F9E-D202B0D54706}"/>
+                  <a16:creationId xmlns="" xmlns:a16="http://schemas.microsoft.com/office/drawing/2014/main" id="{ADE0619D-3F85-424E-9F9E-D202B0D54706}"/>
                 </a:ext>
               </a:extLst>
             </p:cNvPr>
@@ -6429,7 +6429,7 @@
             <p:cNvPr id="20" name="Rechteck 19">
               <a:extLst>
                 <a:ext uri="{FF2B5EF4-FFF2-40B4-BE49-F238E27FC236}">
-                  <a16:creationId xmlns:a16="http://schemas.microsoft.com/office/drawing/2014/main" xmlns="" id="{C56BD12A-0269-3F42-B860-ADC924159D2D}"/>
+                  <a16:creationId xmlns="" xmlns:a16="http://schemas.microsoft.com/office/drawing/2014/main" id="{C56BD12A-0269-3F42-B860-ADC924159D2D}"/>
                 </a:ext>
               </a:extLst>
             </p:cNvPr>
@@ -6541,7 +6541,7 @@
           <p:cNvPr id="4" name="Gruppieren 3">
             <a:extLst>
               <a:ext uri="{FF2B5EF4-FFF2-40B4-BE49-F238E27FC236}">
-                <a16:creationId xmlns:a16="http://schemas.microsoft.com/office/drawing/2014/main" xmlns="" id="{64401E1E-557D-5D4F-AE09-187A0802411B}"/>
+                <a16:creationId xmlns="" xmlns:a16="http://schemas.microsoft.com/office/drawing/2014/main" id="{64401E1E-557D-5D4F-AE09-187A0802411B}"/>
               </a:ext>
             </a:extLst>
           </p:cNvPr>
@@ -6561,7 +6561,7 @@
             <p:cNvPr id="5" name="Rechteck 4">
               <a:extLst>
                 <a:ext uri="{FF2B5EF4-FFF2-40B4-BE49-F238E27FC236}">
-                  <a16:creationId xmlns:a16="http://schemas.microsoft.com/office/drawing/2014/main" xmlns="" id="{35A0EAB9-4039-6448-AC03-B60DE38901D0}"/>
+                  <a16:creationId xmlns="" xmlns:a16="http://schemas.microsoft.com/office/drawing/2014/main" id="{35A0EAB9-4039-6448-AC03-B60DE38901D0}"/>
                 </a:ext>
               </a:extLst>
             </p:cNvPr>
@@ -6727,8 +6727,35 @@
                     <a:schemeClr val="tx1"/>
                   </a:solidFill>
                 </a:rPr>
-                <a:t>Auslastung der Anlage</a:t>
-              </a:r>
+                <a:t>Auslastung der </a:t>
+              </a:r>
+              <a:r>
+                <a:rPr lang="de-DE" dirty="0" smtClean="0">
+                  <a:solidFill>
+                    <a:schemeClr val="tx1"/>
+                  </a:solidFill>
+                </a:rPr>
+                <a:t>Anlage</a:t>
+              </a:r>
+            </a:p>
+            <a:p>
+              <a:pPr marL="285750" indent="-285750">
+                <a:buFont typeface="Arial" panose="020B0604020202020204" pitchFamily="34" charset="0"/>
+                <a:buChar char="•"/>
+              </a:pPr>
+              <a:r>
+                <a:rPr lang="de-DE" dirty="0" smtClean="0">
+                  <a:solidFill>
+                    <a:schemeClr val="tx1"/>
+                  </a:solidFill>
+                </a:rPr>
+                <a:t>Aktuelle Produktionskennzahlen</a:t>
+              </a:r>
+              <a:endParaRPr lang="de-DE" dirty="0" smtClean="0">
+                <a:solidFill>
+                  <a:schemeClr val="tx1"/>
+                </a:solidFill>
+              </a:endParaRPr>
             </a:p>
             <a:p>
               <a:pPr marL="285750" indent="-285750">
@@ -6759,7 +6786,7 @@
             <p:cNvPr id="6" name="Rechteck 5">
               <a:extLst>
                 <a:ext uri="{FF2B5EF4-FFF2-40B4-BE49-F238E27FC236}">
-                  <a16:creationId xmlns:a16="http://schemas.microsoft.com/office/drawing/2014/main" xmlns="" id="{FCCEA108-686B-BB4F-95FB-4BCE5EB529F1}"/>
+                  <a16:creationId xmlns="" xmlns:a16="http://schemas.microsoft.com/office/drawing/2014/main" id="{FCCEA108-686B-BB4F-95FB-4BCE5EB529F1}"/>
                 </a:ext>
               </a:extLst>
             </p:cNvPr>
@@ -6823,7 +6850,7 @@
           <p:cNvPr id="7" name="Gruppieren 6">
             <a:extLst>
               <a:ext uri="{FF2B5EF4-FFF2-40B4-BE49-F238E27FC236}">
-                <a16:creationId xmlns:a16="http://schemas.microsoft.com/office/drawing/2014/main" xmlns="" id="{64401E1E-557D-5D4F-AE09-187A0802411B}"/>
+                <a16:creationId xmlns="" xmlns:a16="http://schemas.microsoft.com/office/drawing/2014/main" id="{64401E1E-557D-5D4F-AE09-187A0802411B}"/>
               </a:ext>
             </a:extLst>
           </p:cNvPr>
@@ -6843,7 +6870,7 @@
             <p:cNvPr id="8" name="Rechteck 7">
               <a:extLst>
                 <a:ext uri="{FF2B5EF4-FFF2-40B4-BE49-F238E27FC236}">
-                  <a16:creationId xmlns:a16="http://schemas.microsoft.com/office/drawing/2014/main" xmlns="" id="{35A0EAB9-4039-6448-AC03-B60DE38901D0}"/>
+                  <a16:creationId xmlns="" xmlns:a16="http://schemas.microsoft.com/office/drawing/2014/main" id="{35A0EAB9-4039-6448-AC03-B60DE38901D0}"/>
                 </a:ext>
               </a:extLst>
             </p:cNvPr>
@@ -6938,6 +6965,25 @@
               </a:r>
             </a:p>
             <a:p>
+              <a:pPr marL="697230" lvl="1" indent="-285750">
+                <a:buFont typeface="Arial" panose="020B0604020202020204" pitchFamily="34" charset="0"/>
+                <a:buChar char="•"/>
+              </a:pPr>
+              <a:r>
+                <a:rPr lang="de-DE" dirty="0" smtClean="0">
+                  <a:solidFill>
+                    <a:schemeClr val="tx1"/>
+                  </a:solidFill>
+                </a:rPr>
+                <a:t>Rüstaufwand?</a:t>
+              </a:r>
+              <a:endParaRPr lang="de-DE" dirty="0" smtClean="0">
+                <a:solidFill>
+                  <a:schemeClr val="tx1"/>
+                </a:solidFill>
+              </a:endParaRPr>
+            </a:p>
+            <a:p>
               <a:pPr marL="285750" indent="-285750">
                 <a:buFont typeface="Arial" panose="020B0604020202020204" pitchFamily="34" charset="0"/>
                 <a:buChar char="•"/>
@@ -6955,7 +7001,7 @@
             <p:cNvPr id="9" name="Rechteck 8">
               <a:extLst>
                 <a:ext uri="{FF2B5EF4-FFF2-40B4-BE49-F238E27FC236}">
-                  <a16:creationId xmlns:a16="http://schemas.microsoft.com/office/drawing/2014/main" xmlns="" id="{FCCEA108-686B-BB4F-95FB-4BCE5EB529F1}"/>
+                  <a16:creationId xmlns="" xmlns:a16="http://schemas.microsoft.com/office/drawing/2014/main" id="{FCCEA108-686B-BB4F-95FB-4BCE5EB529F1}"/>
                 </a:ext>
               </a:extLst>
             </p:cNvPr>
@@ -7019,7 +7065,7 @@
           <p:cNvPr id="10" name="Gruppieren 9">
             <a:extLst>
               <a:ext uri="{FF2B5EF4-FFF2-40B4-BE49-F238E27FC236}">
-                <a16:creationId xmlns:a16="http://schemas.microsoft.com/office/drawing/2014/main" xmlns="" id="{64401E1E-557D-5D4F-AE09-187A0802411B}"/>
+                <a16:creationId xmlns="" xmlns:a16="http://schemas.microsoft.com/office/drawing/2014/main" id="{64401E1E-557D-5D4F-AE09-187A0802411B}"/>
               </a:ext>
             </a:extLst>
           </p:cNvPr>
@@ -7039,7 +7085,7 @@
             <p:cNvPr id="11" name="Rechteck 10">
               <a:extLst>
                 <a:ext uri="{FF2B5EF4-FFF2-40B4-BE49-F238E27FC236}">
-                  <a16:creationId xmlns:a16="http://schemas.microsoft.com/office/drawing/2014/main" xmlns="" id="{35A0EAB9-4039-6448-AC03-B60DE38901D0}"/>
+                  <a16:creationId xmlns="" xmlns:a16="http://schemas.microsoft.com/office/drawing/2014/main" id="{35A0EAB9-4039-6448-AC03-B60DE38901D0}"/>
                 </a:ext>
               </a:extLst>
             </p:cNvPr>
@@ -7151,7 +7197,7 @@
             <p:cNvPr id="12" name="Rechteck 11">
               <a:extLst>
                 <a:ext uri="{FF2B5EF4-FFF2-40B4-BE49-F238E27FC236}">
-                  <a16:creationId xmlns:a16="http://schemas.microsoft.com/office/drawing/2014/main" xmlns="" id="{FCCEA108-686B-BB4F-95FB-4BCE5EB529F1}"/>
+                  <a16:creationId xmlns="" xmlns:a16="http://schemas.microsoft.com/office/drawing/2014/main" id="{FCCEA108-686B-BB4F-95FB-4BCE5EB529F1}"/>
                 </a:ext>
               </a:extLst>
             </p:cNvPr>
@@ -7268,7 +7314,7 @@
           <p:cNvPr id="4" name="Gruppieren 3">
             <a:extLst>
               <a:ext uri="{FF2B5EF4-FFF2-40B4-BE49-F238E27FC236}">
-                <a16:creationId xmlns:a16="http://schemas.microsoft.com/office/drawing/2014/main" xmlns="" id="{64401E1E-557D-5D4F-AE09-187A0802411B}"/>
+                <a16:creationId xmlns="" xmlns:a16="http://schemas.microsoft.com/office/drawing/2014/main" id="{64401E1E-557D-5D4F-AE09-187A0802411B}"/>
               </a:ext>
             </a:extLst>
           </p:cNvPr>
@@ -7288,7 +7334,7 @@
             <p:cNvPr id="5" name="Rechteck 4">
               <a:extLst>
                 <a:ext uri="{FF2B5EF4-FFF2-40B4-BE49-F238E27FC236}">
-                  <a16:creationId xmlns:a16="http://schemas.microsoft.com/office/drawing/2014/main" xmlns="" id="{35A0EAB9-4039-6448-AC03-B60DE38901D0}"/>
+                  <a16:creationId xmlns="" xmlns:a16="http://schemas.microsoft.com/office/drawing/2014/main" id="{35A0EAB9-4039-6448-AC03-B60DE38901D0}"/>
                 </a:ext>
               </a:extLst>
             </p:cNvPr>
@@ -7351,8 +7397,13 @@
                     <a:schemeClr val="tx1"/>
                   </a:solidFill>
                 </a:rPr>
-                <a:t>Eingabeparameter:</a:t>
-              </a:r>
+                <a:t>Module sind in Datenbank hinterlegt (z.B.) -&gt; DA Jan</a:t>
+              </a:r>
+              <a:endParaRPr lang="de-DE" dirty="0" smtClean="0">
+                <a:solidFill>
+                  <a:schemeClr val="tx1"/>
+                </a:solidFill>
+              </a:endParaRPr>
             </a:p>
             <a:p>
               <a:pPr marL="285750" indent="-285750">
@@ -7372,7 +7423,7 @@
             <p:cNvPr id="6" name="Rechteck 5">
               <a:extLst>
                 <a:ext uri="{FF2B5EF4-FFF2-40B4-BE49-F238E27FC236}">
-                  <a16:creationId xmlns:a16="http://schemas.microsoft.com/office/drawing/2014/main" xmlns="" id="{FCCEA108-686B-BB4F-95FB-4BCE5EB529F1}"/>
+                  <a16:creationId xmlns="" xmlns:a16="http://schemas.microsoft.com/office/drawing/2014/main" id="{FCCEA108-686B-BB4F-95FB-4BCE5EB529F1}"/>
                 </a:ext>
               </a:extLst>
             </p:cNvPr>
@@ -7436,7 +7487,7 @@
           <p:cNvPr id="7" name="Gruppieren 6">
             <a:extLst>
               <a:ext uri="{FF2B5EF4-FFF2-40B4-BE49-F238E27FC236}">
-                <a16:creationId xmlns:a16="http://schemas.microsoft.com/office/drawing/2014/main" xmlns="" id="{64401E1E-557D-5D4F-AE09-187A0802411B}"/>
+                <a16:creationId xmlns="" xmlns:a16="http://schemas.microsoft.com/office/drawing/2014/main" id="{64401E1E-557D-5D4F-AE09-187A0802411B}"/>
               </a:ext>
             </a:extLst>
           </p:cNvPr>
@@ -7456,7 +7507,7 @@
             <p:cNvPr id="8" name="Rechteck 7">
               <a:extLst>
                 <a:ext uri="{FF2B5EF4-FFF2-40B4-BE49-F238E27FC236}">
-                  <a16:creationId xmlns:a16="http://schemas.microsoft.com/office/drawing/2014/main" xmlns="" id="{35A0EAB9-4039-6448-AC03-B60DE38901D0}"/>
+                  <a16:creationId xmlns="" xmlns:a16="http://schemas.microsoft.com/office/drawing/2014/main" id="{35A0EAB9-4039-6448-AC03-B60DE38901D0}"/>
                 </a:ext>
               </a:extLst>
             </p:cNvPr>
@@ -7551,7 +7602,7 @@
             <p:cNvPr id="9" name="Rechteck 8">
               <a:extLst>
                 <a:ext uri="{FF2B5EF4-FFF2-40B4-BE49-F238E27FC236}">
-                  <a16:creationId xmlns:a16="http://schemas.microsoft.com/office/drawing/2014/main" xmlns="" id="{FCCEA108-686B-BB4F-95FB-4BCE5EB529F1}"/>
+                  <a16:creationId xmlns="" xmlns:a16="http://schemas.microsoft.com/office/drawing/2014/main" id="{FCCEA108-686B-BB4F-95FB-4BCE5EB529F1}"/>
                 </a:ext>
               </a:extLst>
             </p:cNvPr>
@@ -7615,7 +7666,7 @@
           <p:cNvPr id="10" name="Gruppieren 9">
             <a:extLst>
               <a:ext uri="{FF2B5EF4-FFF2-40B4-BE49-F238E27FC236}">
-                <a16:creationId xmlns:a16="http://schemas.microsoft.com/office/drawing/2014/main" xmlns="" id="{64401E1E-557D-5D4F-AE09-187A0802411B}"/>
+                <a16:creationId xmlns="" xmlns:a16="http://schemas.microsoft.com/office/drawing/2014/main" id="{64401E1E-557D-5D4F-AE09-187A0802411B}"/>
               </a:ext>
             </a:extLst>
           </p:cNvPr>
@@ -7635,7 +7686,7 @@
             <p:cNvPr id="11" name="Rechteck 10">
               <a:extLst>
                 <a:ext uri="{FF2B5EF4-FFF2-40B4-BE49-F238E27FC236}">
-                  <a16:creationId xmlns:a16="http://schemas.microsoft.com/office/drawing/2014/main" xmlns="" id="{35A0EAB9-4039-6448-AC03-B60DE38901D0}"/>
+                  <a16:creationId xmlns="" xmlns:a16="http://schemas.microsoft.com/office/drawing/2014/main" id="{35A0EAB9-4039-6448-AC03-B60DE38901D0}"/>
                 </a:ext>
               </a:extLst>
             </p:cNvPr>
@@ -7790,7 +7841,7 @@
             <p:cNvPr id="12" name="Rechteck 11">
               <a:extLst>
                 <a:ext uri="{FF2B5EF4-FFF2-40B4-BE49-F238E27FC236}">
-                  <a16:creationId xmlns:a16="http://schemas.microsoft.com/office/drawing/2014/main" xmlns="" id="{FCCEA108-686B-BB4F-95FB-4BCE5EB529F1}"/>
+                  <a16:creationId xmlns="" xmlns:a16="http://schemas.microsoft.com/office/drawing/2014/main" id="{FCCEA108-686B-BB4F-95FB-4BCE5EB529F1}"/>
                 </a:ext>
               </a:extLst>
             </p:cNvPr>
@@ -7907,7 +7958,7 @@
           <p:cNvPr id="4" name="Gruppieren 3">
             <a:extLst>
               <a:ext uri="{FF2B5EF4-FFF2-40B4-BE49-F238E27FC236}">
-                <a16:creationId xmlns:a16="http://schemas.microsoft.com/office/drawing/2014/main" xmlns="" id="{64401E1E-557D-5D4F-AE09-187A0802411B}"/>
+                <a16:creationId xmlns="" xmlns:a16="http://schemas.microsoft.com/office/drawing/2014/main" id="{64401E1E-557D-5D4F-AE09-187A0802411B}"/>
               </a:ext>
             </a:extLst>
           </p:cNvPr>
@@ -7927,7 +7978,7 @@
             <p:cNvPr id="5" name="Rechteck 4">
               <a:extLst>
                 <a:ext uri="{FF2B5EF4-FFF2-40B4-BE49-F238E27FC236}">
-                  <a16:creationId xmlns:a16="http://schemas.microsoft.com/office/drawing/2014/main" xmlns="" id="{35A0EAB9-4039-6448-AC03-B60DE38901D0}"/>
+                  <a16:creationId xmlns="" xmlns:a16="http://schemas.microsoft.com/office/drawing/2014/main" id="{35A0EAB9-4039-6448-AC03-B60DE38901D0}"/>
                 </a:ext>
               </a:extLst>
             </p:cNvPr>
@@ -8039,7 +8090,7 @@
             <p:cNvPr id="6" name="Rechteck 5">
               <a:extLst>
                 <a:ext uri="{FF2B5EF4-FFF2-40B4-BE49-F238E27FC236}">
-                  <a16:creationId xmlns:a16="http://schemas.microsoft.com/office/drawing/2014/main" xmlns="" id="{FCCEA108-686B-BB4F-95FB-4BCE5EB529F1}"/>
+                  <a16:creationId xmlns="" xmlns:a16="http://schemas.microsoft.com/office/drawing/2014/main" id="{FCCEA108-686B-BB4F-95FB-4BCE5EB529F1}"/>
                 </a:ext>
               </a:extLst>
             </p:cNvPr>
@@ -8103,7 +8154,7 @@
           <p:cNvPr id="7" name="Gruppieren 6">
             <a:extLst>
               <a:ext uri="{FF2B5EF4-FFF2-40B4-BE49-F238E27FC236}">
-                <a16:creationId xmlns:a16="http://schemas.microsoft.com/office/drawing/2014/main" xmlns="" id="{64401E1E-557D-5D4F-AE09-187A0802411B}"/>
+                <a16:creationId xmlns="" xmlns:a16="http://schemas.microsoft.com/office/drawing/2014/main" id="{64401E1E-557D-5D4F-AE09-187A0802411B}"/>
               </a:ext>
             </a:extLst>
           </p:cNvPr>
@@ -8123,7 +8174,7 @@
             <p:cNvPr id="8" name="Rechteck 7">
               <a:extLst>
                 <a:ext uri="{FF2B5EF4-FFF2-40B4-BE49-F238E27FC236}">
-                  <a16:creationId xmlns:a16="http://schemas.microsoft.com/office/drawing/2014/main" xmlns="" id="{35A0EAB9-4039-6448-AC03-B60DE38901D0}"/>
+                  <a16:creationId xmlns="" xmlns:a16="http://schemas.microsoft.com/office/drawing/2014/main" id="{35A0EAB9-4039-6448-AC03-B60DE38901D0}"/>
                 </a:ext>
               </a:extLst>
             </p:cNvPr>
@@ -8190,7 +8241,7 @@
             <p:cNvPr id="9" name="Rechteck 8">
               <a:extLst>
                 <a:ext uri="{FF2B5EF4-FFF2-40B4-BE49-F238E27FC236}">
-                  <a16:creationId xmlns:a16="http://schemas.microsoft.com/office/drawing/2014/main" xmlns="" id="{FCCEA108-686B-BB4F-95FB-4BCE5EB529F1}"/>
+                  <a16:creationId xmlns="" xmlns:a16="http://schemas.microsoft.com/office/drawing/2014/main" id="{FCCEA108-686B-BB4F-95FB-4BCE5EB529F1}"/>
                 </a:ext>
               </a:extLst>
             </p:cNvPr>
@@ -8254,7 +8305,7 @@
           <p:cNvPr id="10" name="Gruppieren 9">
             <a:extLst>
               <a:ext uri="{FF2B5EF4-FFF2-40B4-BE49-F238E27FC236}">
-                <a16:creationId xmlns:a16="http://schemas.microsoft.com/office/drawing/2014/main" xmlns="" id="{64401E1E-557D-5D4F-AE09-187A0802411B}"/>
+                <a16:creationId xmlns="" xmlns:a16="http://schemas.microsoft.com/office/drawing/2014/main" id="{64401E1E-557D-5D4F-AE09-187A0802411B}"/>
               </a:ext>
             </a:extLst>
           </p:cNvPr>
@@ -8274,7 +8325,7 @@
             <p:cNvPr id="11" name="Rechteck 10">
               <a:extLst>
                 <a:ext uri="{FF2B5EF4-FFF2-40B4-BE49-F238E27FC236}">
-                  <a16:creationId xmlns:a16="http://schemas.microsoft.com/office/drawing/2014/main" xmlns="" id="{35A0EAB9-4039-6448-AC03-B60DE38901D0}"/>
+                  <a16:creationId xmlns="" xmlns:a16="http://schemas.microsoft.com/office/drawing/2014/main" id="{35A0EAB9-4039-6448-AC03-B60DE38901D0}"/>
                 </a:ext>
               </a:extLst>
             </p:cNvPr>
@@ -8344,7 +8395,7 @@
             <p:cNvPr id="12" name="Rechteck 11">
               <a:extLst>
                 <a:ext uri="{FF2B5EF4-FFF2-40B4-BE49-F238E27FC236}">
-                  <a16:creationId xmlns:a16="http://schemas.microsoft.com/office/drawing/2014/main" xmlns="" id="{FCCEA108-686B-BB4F-95FB-4BCE5EB529F1}"/>
+                  <a16:creationId xmlns="" xmlns:a16="http://schemas.microsoft.com/office/drawing/2014/main" id="{FCCEA108-686B-BB4F-95FB-4BCE5EB529F1}"/>
                 </a:ext>
               </a:extLst>
             </p:cNvPr>
@@ -9639,7 +9690,7 @@
             <p:cNvPr id="24" name="Rechteck 23">
               <a:extLst>
                 <a:ext uri="{FF2B5EF4-FFF2-40B4-BE49-F238E27FC236}">
-                  <a16:creationId xmlns:a16="http://schemas.microsoft.com/office/drawing/2014/main" xmlns="" id="{FCCEA108-686B-BB4F-95FB-4BCE5EB529F1}"/>
+                  <a16:creationId xmlns="" xmlns:a16="http://schemas.microsoft.com/office/drawing/2014/main" id="{FCCEA108-686B-BB4F-95FB-4BCE5EB529F1}"/>
                 </a:ext>
               </a:extLst>
             </p:cNvPr>
@@ -9703,7 +9754,7 @@
           <p:cNvPr id="25" name="Rechteck 24">
             <a:extLst>
               <a:ext uri="{FF2B5EF4-FFF2-40B4-BE49-F238E27FC236}">
-                <a16:creationId xmlns:a16="http://schemas.microsoft.com/office/drawing/2014/main" xmlns="" id="{FCCEA108-686B-BB4F-95FB-4BCE5EB529F1}"/>
+                <a16:creationId xmlns="" xmlns:a16="http://schemas.microsoft.com/office/drawing/2014/main" id="{FCCEA108-686B-BB4F-95FB-4BCE5EB529F1}"/>
               </a:ext>
             </a:extLst>
           </p:cNvPr>
@@ -9766,7 +9817,7 @@
           <p:cNvPr id="26" name="Rechteck 25">
             <a:extLst>
               <a:ext uri="{FF2B5EF4-FFF2-40B4-BE49-F238E27FC236}">
-                <a16:creationId xmlns:a16="http://schemas.microsoft.com/office/drawing/2014/main" xmlns="" id="{FCCEA108-686B-BB4F-95FB-4BCE5EB529F1}"/>
+                <a16:creationId xmlns="" xmlns:a16="http://schemas.microsoft.com/office/drawing/2014/main" id="{FCCEA108-686B-BB4F-95FB-4BCE5EB529F1}"/>
               </a:ext>
             </a:extLst>
           </p:cNvPr>
@@ -9882,7 +9933,7 @@
           <p:cNvPr id="4" name="Gruppieren 3">
             <a:extLst>
               <a:ext uri="{FF2B5EF4-FFF2-40B4-BE49-F238E27FC236}">
-                <a16:creationId xmlns:a16="http://schemas.microsoft.com/office/drawing/2014/main" xmlns="" id="{64401E1E-557D-5D4F-AE09-187A0802411B}"/>
+                <a16:creationId xmlns="" xmlns:a16="http://schemas.microsoft.com/office/drawing/2014/main" id="{64401E1E-557D-5D4F-AE09-187A0802411B}"/>
               </a:ext>
             </a:extLst>
           </p:cNvPr>
@@ -9902,7 +9953,7 @@
             <p:cNvPr id="5" name="Rechteck 4">
               <a:extLst>
                 <a:ext uri="{FF2B5EF4-FFF2-40B4-BE49-F238E27FC236}">
-                  <a16:creationId xmlns:a16="http://schemas.microsoft.com/office/drawing/2014/main" xmlns="" id="{35A0EAB9-4039-6448-AC03-B60DE38901D0}"/>
+                  <a16:creationId xmlns="" xmlns:a16="http://schemas.microsoft.com/office/drawing/2014/main" id="{35A0EAB9-4039-6448-AC03-B60DE38901D0}"/>
                 </a:ext>
               </a:extLst>
             </p:cNvPr>
@@ -10064,7 +10115,7 @@
             <p:cNvPr id="6" name="Rechteck 5">
               <a:extLst>
                 <a:ext uri="{FF2B5EF4-FFF2-40B4-BE49-F238E27FC236}">
-                  <a16:creationId xmlns:a16="http://schemas.microsoft.com/office/drawing/2014/main" xmlns="" id="{FCCEA108-686B-BB4F-95FB-4BCE5EB529F1}"/>
+                  <a16:creationId xmlns="" xmlns:a16="http://schemas.microsoft.com/office/drawing/2014/main" id="{FCCEA108-686B-BB4F-95FB-4BCE5EB529F1}"/>
                 </a:ext>
               </a:extLst>
             </p:cNvPr>
@@ -10128,7 +10179,7 @@
           <p:cNvPr id="7" name="Gruppieren 6">
             <a:extLst>
               <a:ext uri="{FF2B5EF4-FFF2-40B4-BE49-F238E27FC236}">
-                <a16:creationId xmlns:a16="http://schemas.microsoft.com/office/drawing/2014/main" xmlns="" id="{64401E1E-557D-5D4F-AE09-187A0802411B}"/>
+                <a16:creationId xmlns="" xmlns:a16="http://schemas.microsoft.com/office/drawing/2014/main" id="{64401E1E-557D-5D4F-AE09-187A0802411B}"/>
               </a:ext>
             </a:extLst>
           </p:cNvPr>
@@ -10148,7 +10199,7 @@
             <p:cNvPr id="8" name="Rechteck 7">
               <a:extLst>
                 <a:ext uri="{FF2B5EF4-FFF2-40B4-BE49-F238E27FC236}">
-                  <a16:creationId xmlns:a16="http://schemas.microsoft.com/office/drawing/2014/main" xmlns="" id="{35A0EAB9-4039-6448-AC03-B60DE38901D0}"/>
+                  <a16:creationId xmlns="" xmlns:a16="http://schemas.microsoft.com/office/drawing/2014/main" id="{35A0EAB9-4039-6448-AC03-B60DE38901D0}"/>
                 </a:ext>
               </a:extLst>
             </p:cNvPr>
@@ -10284,7 +10335,7 @@
             <p:cNvPr id="9" name="Rechteck 8">
               <a:extLst>
                 <a:ext uri="{FF2B5EF4-FFF2-40B4-BE49-F238E27FC236}">
-                  <a16:creationId xmlns:a16="http://schemas.microsoft.com/office/drawing/2014/main" xmlns="" id="{FCCEA108-686B-BB4F-95FB-4BCE5EB529F1}"/>
+                  <a16:creationId xmlns="" xmlns:a16="http://schemas.microsoft.com/office/drawing/2014/main" id="{FCCEA108-686B-BB4F-95FB-4BCE5EB529F1}"/>
                 </a:ext>
               </a:extLst>
             </p:cNvPr>
@@ -10348,7 +10399,7 @@
           <p:cNvPr id="10" name="Rechteck 9">
             <a:extLst>
               <a:ext uri="{FF2B5EF4-FFF2-40B4-BE49-F238E27FC236}">
-                <a16:creationId xmlns:a16="http://schemas.microsoft.com/office/drawing/2014/main" xmlns="" id="{FCCEA108-686B-BB4F-95FB-4BCE5EB529F1}"/>
+                <a16:creationId xmlns="" xmlns:a16="http://schemas.microsoft.com/office/drawing/2014/main" id="{FCCEA108-686B-BB4F-95FB-4BCE5EB529F1}"/>
               </a:ext>
             </a:extLst>
           </p:cNvPr>
@@ -10449,7 +10500,7 @@
           <p:cNvPr id="13" name="Gruppieren 12">
             <a:extLst>
               <a:ext uri="{FF2B5EF4-FFF2-40B4-BE49-F238E27FC236}">
-                <a16:creationId xmlns:a16="http://schemas.microsoft.com/office/drawing/2014/main" xmlns="" id="{64401E1E-557D-5D4F-AE09-187A0802411B}"/>
+                <a16:creationId xmlns="" xmlns:a16="http://schemas.microsoft.com/office/drawing/2014/main" id="{64401E1E-557D-5D4F-AE09-187A0802411B}"/>
               </a:ext>
             </a:extLst>
           </p:cNvPr>
@@ -10469,7 +10520,7 @@
             <p:cNvPr id="14" name="Rechteck 13">
               <a:extLst>
                 <a:ext uri="{FF2B5EF4-FFF2-40B4-BE49-F238E27FC236}">
-                  <a16:creationId xmlns:a16="http://schemas.microsoft.com/office/drawing/2014/main" xmlns="" id="{35A0EAB9-4039-6448-AC03-B60DE38901D0}"/>
+                  <a16:creationId xmlns="" xmlns:a16="http://schemas.microsoft.com/office/drawing/2014/main" id="{35A0EAB9-4039-6448-AC03-B60DE38901D0}"/>
                 </a:ext>
               </a:extLst>
             </p:cNvPr>
@@ -10595,7 +10646,7 @@
             <p:cNvPr id="15" name="Rechteck 14">
               <a:extLst>
                 <a:ext uri="{FF2B5EF4-FFF2-40B4-BE49-F238E27FC236}">
-                  <a16:creationId xmlns:a16="http://schemas.microsoft.com/office/drawing/2014/main" xmlns="" id="{FCCEA108-686B-BB4F-95FB-4BCE5EB529F1}"/>
+                  <a16:creationId xmlns="" xmlns:a16="http://schemas.microsoft.com/office/drawing/2014/main" id="{FCCEA108-686B-BB4F-95FB-4BCE5EB529F1}"/>
                 </a:ext>
               </a:extLst>
             </p:cNvPr>
@@ -10659,7 +10710,7 @@
           <p:cNvPr id="16" name="Rechteck 15">
             <a:extLst>
               <a:ext uri="{FF2B5EF4-FFF2-40B4-BE49-F238E27FC236}">
-                <a16:creationId xmlns:a16="http://schemas.microsoft.com/office/drawing/2014/main" xmlns="" id="{FCCEA108-686B-BB4F-95FB-4BCE5EB529F1}"/>
+                <a16:creationId xmlns="" xmlns:a16="http://schemas.microsoft.com/office/drawing/2014/main" id="{FCCEA108-686B-BB4F-95FB-4BCE5EB529F1}"/>
               </a:ext>
             </a:extLst>
           </p:cNvPr>
@@ -10722,7 +10773,7 @@
           <p:cNvPr id="18" name="Rechteck 17">
             <a:extLst>
               <a:ext uri="{FF2B5EF4-FFF2-40B4-BE49-F238E27FC236}">
-                <a16:creationId xmlns:a16="http://schemas.microsoft.com/office/drawing/2014/main" xmlns="" id="{FCCEA108-686B-BB4F-95FB-4BCE5EB529F1}"/>
+                <a16:creationId xmlns="" xmlns:a16="http://schemas.microsoft.com/office/drawing/2014/main" id="{FCCEA108-686B-BB4F-95FB-4BCE5EB529F1}"/>
               </a:ext>
             </a:extLst>
           </p:cNvPr>
@@ -10915,7 +10966,7 @@
           <p:cNvPr id="4" name="Gruppieren 3">
             <a:extLst>
               <a:ext uri="{FF2B5EF4-FFF2-40B4-BE49-F238E27FC236}">
-                <a16:creationId xmlns:a16="http://schemas.microsoft.com/office/drawing/2014/main" xmlns="" id="{64401E1E-557D-5D4F-AE09-187A0802411B}"/>
+                <a16:creationId xmlns="" xmlns:a16="http://schemas.microsoft.com/office/drawing/2014/main" id="{64401E1E-557D-5D4F-AE09-187A0802411B}"/>
               </a:ext>
             </a:extLst>
           </p:cNvPr>
@@ -10935,7 +10986,7 @@
             <p:cNvPr id="5" name="Rechteck 4">
               <a:extLst>
                 <a:ext uri="{FF2B5EF4-FFF2-40B4-BE49-F238E27FC236}">
-                  <a16:creationId xmlns:a16="http://schemas.microsoft.com/office/drawing/2014/main" xmlns="" id="{35A0EAB9-4039-6448-AC03-B60DE38901D0}"/>
+                  <a16:creationId xmlns="" xmlns:a16="http://schemas.microsoft.com/office/drawing/2014/main" id="{35A0EAB9-4039-6448-AC03-B60DE38901D0}"/>
                 </a:ext>
               </a:extLst>
             </p:cNvPr>
@@ -10991,7 +11042,7 @@
             <p:cNvPr id="6" name="Rechteck 5">
               <a:extLst>
                 <a:ext uri="{FF2B5EF4-FFF2-40B4-BE49-F238E27FC236}">
-                  <a16:creationId xmlns:a16="http://schemas.microsoft.com/office/drawing/2014/main" xmlns="" id="{FCCEA108-686B-BB4F-95FB-4BCE5EB529F1}"/>
+                  <a16:creationId xmlns="" xmlns:a16="http://schemas.microsoft.com/office/drawing/2014/main" id="{FCCEA108-686B-BB4F-95FB-4BCE5EB529F1}"/>
                 </a:ext>
               </a:extLst>
             </p:cNvPr>
@@ -11327,7 +11378,7 @@
             <p:cNvPr id="7" name="Gruppieren 6">
               <a:extLst>
                 <a:ext uri="{FF2B5EF4-FFF2-40B4-BE49-F238E27FC236}">
-                  <a16:creationId xmlns:a16="http://schemas.microsoft.com/office/drawing/2014/main" xmlns="" id="{64401E1E-557D-5D4F-AE09-187A0802411B}"/>
+                  <a16:creationId xmlns="" xmlns:a16="http://schemas.microsoft.com/office/drawing/2014/main" id="{64401E1E-557D-5D4F-AE09-187A0802411B}"/>
                 </a:ext>
               </a:extLst>
             </p:cNvPr>
@@ -11347,7 +11398,7 @@
               <p:cNvPr id="8" name="Rechteck 7">
                 <a:extLst>
                   <a:ext uri="{FF2B5EF4-FFF2-40B4-BE49-F238E27FC236}">
-                    <a16:creationId xmlns:a16="http://schemas.microsoft.com/office/drawing/2014/main" xmlns="" id="{35A0EAB9-4039-6448-AC03-B60DE38901D0}"/>
+                    <a16:creationId xmlns="" xmlns:a16="http://schemas.microsoft.com/office/drawing/2014/main" id="{35A0EAB9-4039-6448-AC03-B60DE38901D0}"/>
                   </a:ext>
                 </a:extLst>
               </p:cNvPr>
@@ -11403,7 +11454,7 @@
               <p:cNvPr id="9" name="Rechteck 8">
                 <a:extLst>
                   <a:ext uri="{FF2B5EF4-FFF2-40B4-BE49-F238E27FC236}">
-                    <a16:creationId xmlns:a16="http://schemas.microsoft.com/office/drawing/2014/main" xmlns="" id="{FCCEA108-686B-BB4F-95FB-4BCE5EB529F1}"/>
+                    <a16:creationId xmlns="" xmlns:a16="http://schemas.microsoft.com/office/drawing/2014/main" id="{FCCEA108-686B-BB4F-95FB-4BCE5EB529F1}"/>
                   </a:ext>
                 </a:extLst>
               </p:cNvPr>
@@ -11888,7 +11939,7 @@
           <p:cNvPr id="49" name="Gruppieren 48">
             <a:extLst>
               <a:ext uri="{FF2B5EF4-FFF2-40B4-BE49-F238E27FC236}">
-                <a16:creationId xmlns:a16="http://schemas.microsoft.com/office/drawing/2014/main" xmlns="" id="{64401E1E-557D-5D4F-AE09-187A0802411B}"/>
+                <a16:creationId xmlns="" xmlns:a16="http://schemas.microsoft.com/office/drawing/2014/main" id="{64401E1E-557D-5D4F-AE09-187A0802411B}"/>
               </a:ext>
             </a:extLst>
           </p:cNvPr>
@@ -11908,7 +11959,7 @@
             <p:cNvPr id="50" name="Rechteck 49">
               <a:extLst>
                 <a:ext uri="{FF2B5EF4-FFF2-40B4-BE49-F238E27FC236}">
-                  <a16:creationId xmlns:a16="http://schemas.microsoft.com/office/drawing/2014/main" xmlns="" id="{35A0EAB9-4039-6448-AC03-B60DE38901D0}"/>
+                  <a16:creationId xmlns="" xmlns:a16="http://schemas.microsoft.com/office/drawing/2014/main" id="{35A0EAB9-4039-6448-AC03-B60DE38901D0}"/>
                 </a:ext>
               </a:extLst>
             </p:cNvPr>
@@ -11964,7 +12015,7 @@
             <p:cNvPr id="51" name="Rechteck 50">
               <a:extLst>
                 <a:ext uri="{FF2B5EF4-FFF2-40B4-BE49-F238E27FC236}">
-                  <a16:creationId xmlns:a16="http://schemas.microsoft.com/office/drawing/2014/main" xmlns="" id="{FCCEA108-686B-BB4F-95FB-4BCE5EB529F1}"/>
+                  <a16:creationId xmlns="" xmlns:a16="http://schemas.microsoft.com/office/drawing/2014/main" id="{FCCEA108-686B-BB4F-95FB-4BCE5EB529F1}"/>
                 </a:ext>
               </a:extLst>
             </p:cNvPr>
@@ -12403,7 +12454,7 @@
           <p:cNvPr id="9" name="Gruppieren 8">
             <a:extLst>
               <a:ext uri="{FF2B5EF4-FFF2-40B4-BE49-F238E27FC236}">
-                <a16:creationId xmlns:a16="http://schemas.microsoft.com/office/drawing/2014/main" xmlns="" id="{64401E1E-557D-5D4F-AE09-187A0802411B}"/>
+                <a16:creationId xmlns="" xmlns:a16="http://schemas.microsoft.com/office/drawing/2014/main" id="{64401E1E-557D-5D4F-AE09-187A0802411B}"/>
               </a:ext>
             </a:extLst>
           </p:cNvPr>
@@ -12423,7 +12474,7 @@
             <p:cNvPr id="10" name="Rechteck 9">
               <a:extLst>
                 <a:ext uri="{FF2B5EF4-FFF2-40B4-BE49-F238E27FC236}">
-                  <a16:creationId xmlns:a16="http://schemas.microsoft.com/office/drawing/2014/main" xmlns="" id="{35A0EAB9-4039-6448-AC03-B60DE38901D0}"/>
+                  <a16:creationId xmlns="" xmlns:a16="http://schemas.microsoft.com/office/drawing/2014/main" id="{35A0EAB9-4039-6448-AC03-B60DE38901D0}"/>
                 </a:ext>
               </a:extLst>
             </p:cNvPr>
@@ -12612,7 +12663,7 @@
             <p:cNvPr id="11" name="Rechteck 10">
               <a:extLst>
                 <a:ext uri="{FF2B5EF4-FFF2-40B4-BE49-F238E27FC236}">
-                  <a16:creationId xmlns:a16="http://schemas.microsoft.com/office/drawing/2014/main" xmlns="" id="{FCCEA108-686B-BB4F-95FB-4BCE5EB529F1}"/>
+                  <a16:creationId xmlns="" xmlns:a16="http://schemas.microsoft.com/office/drawing/2014/main" id="{FCCEA108-686B-BB4F-95FB-4BCE5EB529F1}"/>
                 </a:ext>
               </a:extLst>
             </p:cNvPr>
@@ -12676,7 +12727,7 @@
           <p:cNvPr id="12" name="Gruppieren 11">
             <a:extLst>
               <a:ext uri="{FF2B5EF4-FFF2-40B4-BE49-F238E27FC236}">
-                <a16:creationId xmlns:a16="http://schemas.microsoft.com/office/drawing/2014/main" xmlns="" id="{64401E1E-557D-5D4F-AE09-187A0802411B}"/>
+                <a16:creationId xmlns="" xmlns:a16="http://schemas.microsoft.com/office/drawing/2014/main" id="{64401E1E-557D-5D4F-AE09-187A0802411B}"/>
               </a:ext>
             </a:extLst>
           </p:cNvPr>
@@ -12696,7 +12747,7 @@
             <p:cNvPr id="13" name="Rechteck 12">
               <a:extLst>
                 <a:ext uri="{FF2B5EF4-FFF2-40B4-BE49-F238E27FC236}">
-                  <a16:creationId xmlns:a16="http://schemas.microsoft.com/office/drawing/2014/main" xmlns="" id="{35A0EAB9-4039-6448-AC03-B60DE38901D0}"/>
+                  <a16:creationId xmlns="" xmlns:a16="http://schemas.microsoft.com/office/drawing/2014/main" id="{35A0EAB9-4039-6448-AC03-B60DE38901D0}"/>
                 </a:ext>
               </a:extLst>
             </p:cNvPr>
@@ -12900,7 +12951,7 @@
             <p:cNvPr id="14" name="Rechteck 13">
               <a:extLst>
                 <a:ext uri="{FF2B5EF4-FFF2-40B4-BE49-F238E27FC236}">
-                  <a16:creationId xmlns:a16="http://schemas.microsoft.com/office/drawing/2014/main" xmlns="" id="{FCCEA108-686B-BB4F-95FB-4BCE5EB529F1}"/>
+                  <a16:creationId xmlns="" xmlns:a16="http://schemas.microsoft.com/office/drawing/2014/main" id="{FCCEA108-686B-BB4F-95FB-4BCE5EB529F1}"/>
                 </a:ext>
               </a:extLst>
             </p:cNvPr>
@@ -13072,7 +13123,7 @@
           <p:cNvPr id="8" name="Gruppieren 7">
             <a:extLst>
               <a:ext uri="{FF2B5EF4-FFF2-40B4-BE49-F238E27FC236}">
-                <a16:creationId xmlns:a16="http://schemas.microsoft.com/office/drawing/2014/main" xmlns="" id="{55DEAA25-08DE-234A-9F7E-6DA95517E4AB}"/>
+                <a16:creationId xmlns="" xmlns:a16="http://schemas.microsoft.com/office/drawing/2014/main" id="{55DEAA25-08DE-234A-9F7E-6DA95517E4AB}"/>
               </a:ext>
             </a:extLst>
           </p:cNvPr>
@@ -13092,7 +13143,7 @@
             <p:cNvPr id="9" name="Rechteck 8">
               <a:extLst>
                 <a:ext uri="{FF2B5EF4-FFF2-40B4-BE49-F238E27FC236}">
-                  <a16:creationId xmlns:a16="http://schemas.microsoft.com/office/drawing/2014/main" xmlns="" id="{CBE4218A-6735-2946-A3C0-E23809B7CEDF}"/>
+                  <a16:creationId xmlns="" xmlns:a16="http://schemas.microsoft.com/office/drawing/2014/main" id="{CBE4218A-6735-2946-A3C0-E23809B7CEDF}"/>
                 </a:ext>
               </a:extLst>
             </p:cNvPr>
@@ -13243,7 +13294,7 @@
             <p:cNvPr id="10" name="Rechteck 9">
               <a:extLst>
                 <a:ext uri="{FF2B5EF4-FFF2-40B4-BE49-F238E27FC236}">
-                  <a16:creationId xmlns:a16="http://schemas.microsoft.com/office/drawing/2014/main" xmlns="" id="{5ECE2600-E242-0A47-A437-E1A9C7F07343}"/>
+                  <a16:creationId xmlns="" xmlns:a16="http://schemas.microsoft.com/office/drawing/2014/main" id="{5ECE2600-E242-0A47-A437-E1A9C7F07343}"/>
                 </a:ext>
               </a:extLst>
             </p:cNvPr>
@@ -13310,7 +13361,7 @@
           <p:cNvPr id="11" name="Gruppieren 10">
             <a:extLst>
               <a:ext uri="{FF2B5EF4-FFF2-40B4-BE49-F238E27FC236}">
-                <a16:creationId xmlns:a16="http://schemas.microsoft.com/office/drawing/2014/main" xmlns="" id="{2A9CBD64-DABE-DB44-8CC9-7ED3D3F42599}"/>
+                <a16:creationId xmlns="" xmlns:a16="http://schemas.microsoft.com/office/drawing/2014/main" id="{2A9CBD64-DABE-DB44-8CC9-7ED3D3F42599}"/>
               </a:ext>
             </a:extLst>
           </p:cNvPr>
@@ -13330,7 +13381,7 @@
             <p:cNvPr id="12" name="Rechteck 11">
               <a:extLst>
                 <a:ext uri="{FF2B5EF4-FFF2-40B4-BE49-F238E27FC236}">
-                  <a16:creationId xmlns:a16="http://schemas.microsoft.com/office/drawing/2014/main" xmlns="" id="{880AB37D-6202-FE47-84F8-2DB9C99F0992}"/>
+                  <a16:creationId xmlns="" xmlns:a16="http://schemas.microsoft.com/office/drawing/2014/main" id="{880AB37D-6202-FE47-84F8-2DB9C99F0992}"/>
                 </a:ext>
               </a:extLst>
             </p:cNvPr>
@@ -13520,7 +13571,7 @@
             <p:cNvPr id="13" name="Rechteck 12">
               <a:extLst>
                 <a:ext uri="{FF2B5EF4-FFF2-40B4-BE49-F238E27FC236}">
-                  <a16:creationId xmlns:a16="http://schemas.microsoft.com/office/drawing/2014/main" xmlns="" id="{6E6D6DF1-8063-C749-A415-29613D3195D5}"/>
+                  <a16:creationId xmlns="" xmlns:a16="http://schemas.microsoft.com/office/drawing/2014/main" id="{6E6D6DF1-8063-C749-A415-29613D3195D5}"/>
                 </a:ext>
               </a:extLst>
             </p:cNvPr>
